--- a/1081網安HackThisSite_1053352.pptx
+++ b/1081網安HackThisSite_1053352.pptx
@@ -5,7 +5,7 @@
     <p:sldMasterId id="2147483745" r:id="rId1"/>
   </p:sldMasterIdLst>
   <p:notesMasterIdLst>
-    <p:notesMasterId r:id="rId13"/>
+    <p:notesMasterId r:id="rId14"/>
   </p:notesMasterIdLst>
   <p:sldIdLst>
     <p:sldId id="256" r:id="rId2"/>
@@ -19,6 +19,7 @@
     <p:sldId id="266" r:id="rId10"/>
     <p:sldId id="268" r:id="rId11"/>
     <p:sldId id="265" r:id="rId12"/>
+    <p:sldId id="269" r:id="rId13"/>
   </p:sldIdLst>
   <p:sldSz cx="12192000" cy="6858000"/>
   <p:notesSz cx="6858000" cy="9144000"/>
@@ -117,6 +118,11 @@
       </a:defRPr>
     </a:lvl9pPr>
   </p:defaultTextStyle>
+  <p:extLst>
+    <p:ext uri="{EFAFB233-063F-42B5-8137-9DF3F51BA10A}">
+      <p15:sldGuideLst xmlns:p15="http://schemas.microsoft.com/office/powerpoint/2012/main"/>
+    </p:ext>
+  </p:extLst>
 </p:presentation>
 </file>
 
@@ -202,7 +208,7 @@
           <a:p>
             <a:fld id="{A7576CED-4430-49AA-9CEA-A23A0AEB15AC}" type="datetimeFigureOut">
               <a:rPr lang="zh-MO" altLang="en-US" smtClean="0"/>
-              <a:t>2/12/2019</a:t>
+              <a:t>10/12/2019</a:t>
             </a:fld>
             <a:endParaRPr lang="zh-MO" altLang="en-US"/>
           </a:p>
@@ -1278,7 +1284,7 @@
           <a:p>
             <a:fld id="{FF78AD73-44E3-477F-B67B-9FC0055105BD}" type="datetimeFigureOut">
               <a:rPr lang="zh-MO" altLang="en-US" smtClean="0"/>
-              <a:t>2/12/2019</a:t>
+              <a:t>10/12/2019</a:t>
             </a:fld>
             <a:endParaRPr lang="zh-MO" altLang="en-US"/>
           </a:p>
@@ -1529,7 +1535,7 @@
           <a:p>
             <a:fld id="{FF78AD73-44E3-477F-B67B-9FC0055105BD}" type="datetimeFigureOut">
               <a:rPr lang="zh-MO" altLang="en-US" smtClean="0"/>
-              <a:t>2/12/2019</a:t>
+              <a:t>10/12/2019</a:t>
             </a:fld>
             <a:endParaRPr lang="zh-MO" altLang="en-US"/>
           </a:p>
@@ -1843,7 +1849,7 @@
           <a:p>
             <a:fld id="{FF78AD73-44E3-477F-B67B-9FC0055105BD}" type="datetimeFigureOut">
               <a:rPr lang="zh-MO" altLang="en-US" smtClean="0"/>
-              <a:t>2/12/2019</a:t>
+              <a:t>10/12/2019</a:t>
             </a:fld>
             <a:endParaRPr lang="zh-MO" altLang="en-US"/>
           </a:p>
@@ -2170,7 +2176,7 @@
           <a:p>
             <a:fld id="{FF78AD73-44E3-477F-B67B-9FC0055105BD}" type="datetimeFigureOut">
               <a:rPr lang="zh-MO" altLang="en-US" smtClean="0"/>
-              <a:t>2/12/2019</a:t>
+              <a:t>10/12/2019</a:t>
             </a:fld>
             <a:endParaRPr lang="zh-MO" altLang="en-US"/>
           </a:p>
@@ -2484,7 +2490,7 @@
           <a:p>
             <a:fld id="{FF78AD73-44E3-477F-B67B-9FC0055105BD}" type="datetimeFigureOut">
               <a:rPr lang="zh-MO" altLang="en-US" smtClean="0"/>
-              <a:t>2/12/2019</a:t>
+              <a:t>10/12/2019</a:t>
             </a:fld>
             <a:endParaRPr lang="zh-MO" altLang="en-US"/>
           </a:p>
@@ -2871,7 +2877,7 @@
           <a:p>
             <a:fld id="{FF78AD73-44E3-477F-B67B-9FC0055105BD}" type="datetimeFigureOut">
               <a:rPr lang="zh-MO" altLang="en-US" smtClean="0"/>
-              <a:t>2/12/2019</a:t>
+              <a:t>10/12/2019</a:t>
             </a:fld>
             <a:endParaRPr lang="zh-MO" altLang="en-US"/>
           </a:p>
@@ -3041,7 +3047,7 @@
           <a:p>
             <a:fld id="{FF78AD73-44E3-477F-B67B-9FC0055105BD}" type="datetimeFigureOut">
               <a:rPr lang="zh-MO" altLang="en-US" smtClean="0"/>
-              <a:t>2/12/2019</a:t>
+              <a:t>10/12/2019</a:t>
             </a:fld>
             <a:endParaRPr lang="zh-MO" altLang="en-US"/>
           </a:p>
@@ -3221,7 +3227,7 @@
           <a:p>
             <a:fld id="{FF78AD73-44E3-477F-B67B-9FC0055105BD}" type="datetimeFigureOut">
               <a:rPr lang="zh-MO" altLang="en-US" smtClean="0"/>
-              <a:t>2/12/2019</a:t>
+              <a:t>10/12/2019</a:t>
             </a:fld>
             <a:endParaRPr lang="zh-MO" altLang="en-US"/>
           </a:p>
@@ -3397,7 +3403,7 @@
           <a:p>
             <a:fld id="{FF78AD73-44E3-477F-B67B-9FC0055105BD}" type="datetimeFigureOut">
               <a:rPr lang="zh-MO" altLang="en-US" smtClean="0"/>
-              <a:t>2/12/2019</a:t>
+              <a:t>10/12/2019</a:t>
             </a:fld>
             <a:endParaRPr lang="zh-MO" altLang="en-US"/>
           </a:p>
@@ -3644,7 +3650,7 @@
           <a:p>
             <a:fld id="{FF78AD73-44E3-477F-B67B-9FC0055105BD}" type="datetimeFigureOut">
               <a:rPr lang="zh-MO" altLang="en-US" smtClean="0"/>
-              <a:t>2/12/2019</a:t>
+              <a:t>10/12/2019</a:t>
             </a:fld>
             <a:endParaRPr lang="zh-MO" altLang="en-US"/>
           </a:p>
@@ -3876,7 +3882,7 @@
           <a:p>
             <a:fld id="{FF78AD73-44E3-477F-B67B-9FC0055105BD}" type="datetimeFigureOut">
               <a:rPr lang="zh-MO" altLang="en-US" smtClean="0"/>
-              <a:t>2/12/2019</a:t>
+              <a:t>10/12/2019</a:t>
             </a:fld>
             <a:endParaRPr lang="zh-MO" altLang="en-US"/>
           </a:p>
@@ -4250,7 +4256,7 @@
           <a:p>
             <a:fld id="{FF78AD73-44E3-477F-B67B-9FC0055105BD}" type="datetimeFigureOut">
               <a:rPr lang="zh-MO" altLang="en-US" smtClean="0"/>
-              <a:t>2/12/2019</a:t>
+              <a:t>10/12/2019</a:t>
             </a:fld>
             <a:endParaRPr lang="zh-MO" altLang="en-US"/>
           </a:p>
@@ -4373,7 +4379,7 @@
           <a:p>
             <a:fld id="{FF78AD73-44E3-477F-B67B-9FC0055105BD}" type="datetimeFigureOut">
               <a:rPr lang="zh-MO" altLang="en-US" smtClean="0"/>
-              <a:t>2/12/2019</a:t>
+              <a:t>10/12/2019</a:t>
             </a:fld>
             <a:endParaRPr lang="zh-MO" altLang="en-US"/>
           </a:p>
@@ -4468,7 +4474,7 @@
           <a:p>
             <a:fld id="{FF78AD73-44E3-477F-B67B-9FC0055105BD}" type="datetimeFigureOut">
               <a:rPr lang="zh-MO" altLang="en-US" smtClean="0"/>
-              <a:t>2/12/2019</a:t>
+              <a:t>10/12/2019</a:t>
             </a:fld>
             <a:endParaRPr lang="zh-MO" altLang="en-US"/>
           </a:p>
@@ -4723,7 +4729,7 @@
           <a:p>
             <a:fld id="{FF78AD73-44E3-477F-B67B-9FC0055105BD}" type="datetimeFigureOut">
               <a:rPr lang="zh-MO" altLang="en-US" smtClean="0"/>
-              <a:t>2/12/2019</a:t>
+              <a:t>10/12/2019</a:t>
             </a:fld>
             <a:endParaRPr lang="zh-MO" altLang="en-US"/>
           </a:p>
@@ -4986,7 +4992,7 @@
           <a:p>
             <a:fld id="{FF78AD73-44E3-477F-B67B-9FC0055105BD}" type="datetimeFigureOut">
               <a:rPr lang="zh-MO" altLang="en-US" smtClean="0"/>
-              <a:t>2/12/2019</a:t>
+              <a:t>10/12/2019</a:t>
             </a:fld>
             <a:endParaRPr lang="zh-MO" altLang="en-US"/>
           </a:p>
@@ -5731,7 +5737,7 @@
           <a:p>
             <a:fld id="{FF78AD73-44E3-477F-B67B-9FC0055105BD}" type="datetimeFigureOut">
               <a:rPr lang="zh-MO" altLang="en-US" smtClean="0"/>
-              <a:t>2/12/2019</a:t>
+              <a:t>10/12/2019</a:t>
             </a:fld>
             <a:endParaRPr lang="zh-MO" altLang="en-US"/>
           </a:p>
@@ -6802,6 +6808,364 @@
     <p:extLst>
       <p:ext uri="{BB962C8B-B14F-4D97-AF65-F5344CB8AC3E}">
         <p14:creationId xmlns:p14="http://schemas.microsoft.com/office/powerpoint/2010/main" val="77085394"/>
+      </p:ext>
+    </p:extLst>
+  </p:cSld>
+  <p:clrMapOvr>
+    <a:masterClrMapping/>
+  </p:clrMapOvr>
+</p:sld>
+</file>
+
+<file path=ppt/slides/slide12.xml><?xml version="1.0" encoding="utf-8"?>
+<p:sld xmlns:a="http://schemas.openxmlformats.org/drawingml/2006/main" xmlns:r="http://schemas.openxmlformats.org/officeDocument/2006/relationships" xmlns:p="http://schemas.openxmlformats.org/presentationml/2006/main">
+  <p:cSld>
+    <p:spTree>
+      <p:nvGrpSpPr>
+        <p:cNvPr id="1" name=""/>
+        <p:cNvGrpSpPr/>
+        <p:nvPr/>
+      </p:nvGrpSpPr>
+      <p:grpSpPr>
+        <a:xfrm>
+          <a:off x="0" y="0"/>
+          <a:ext cx="0" cy="0"/>
+          <a:chOff x="0" y="0"/>
+          <a:chExt cx="0" cy="0"/>
+        </a:xfrm>
+      </p:grpSpPr>
+      <p:sp>
+        <p:nvSpPr>
+          <p:cNvPr id="4" name="標題 1">
+            <a:extLst>
+              <a:ext uri="{FF2B5EF4-FFF2-40B4-BE49-F238E27FC236}">
+                <a16:creationId xmlns:a16="http://schemas.microsoft.com/office/drawing/2014/main" id="{E5AD85E0-BE6F-4832-A830-EB154DE9A34C}"/>
+              </a:ext>
+            </a:extLst>
+          </p:cNvPr>
+          <p:cNvSpPr>
+            <a:spLocks noGrp="1"/>
+          </p:cNvSpPr>
+          <p:nvPr>
+            <p:ph type="title"/>
+          </p:nvPr>
+        </p:nvSpPr>
+        <p:spPr>
+          <a:xfrm>
+            <a:off x="168287" y="163046"/>
+            <a:ext cx="2310961" cy="653592"/>
+          </a:xfrm>
+        </p:spPr>
+        <p:txBody>
+          <a:bodyPr>
+            <a:normAutofit/>
+          </a:bodyPr>
+          <a:lstStyle/>
+          <a:p>
+            <a:r>
+              <a:rPr lang="zh-TW" altLang="en-US" b="1" dirty="0"/>
+              <a:t>延伸思考</a:t>
+            </a:r>
+            <a:endParaRPr lang="zh-MO" altLang="en-US" b="1" dirty="0"/>
+          </a:p>
+        </p:txBody>
+      </p:sp>
+      <p:sp>
+        <p:nvSpPr>
+          <p:cNvPr id="5" name="內容版面配置區 2">
+            <a:extLst>
+              <a:ext uri="{FF2B5EF4-FFF2-40B4-BE49-F238E27FC236}">
+                <a16:creationId xmlns:a16="http://schemas.microsoft.com/office/drawing/2014/main" id="{2EE1D90F-C593-4255-810C-01F63CF575E5}"/>
+              </a:ext>
+            </a:extLst>
+          </p:cNvPr>
+          <p:cNvSpPr>
+            <a:spLocks noGrp="1"/>
+          </p:cNvSpPr>
+          <p:nvPr>
+            <p:ph idx="1"/>
+          </p:nvPr>
+        </p:nvSpPr>
+        <p:spPr>
+          <a:xfrm>
+            <a:off x="545359" y="1170776"/>
+            <a:ext cx="9513041" cy="4343904"/>
+          </a:xfrm>
+        </p:spPr>
+        <p:txBody>
+          <a:bodyPr>
+            <a:normAutofit/>
+          </a:bodyPr>
+          <a:lstStyle/>
+          <a:p>
+            <a:r>
+              <a:rPr lang="en-US" altLang="zh-MO" sz="2000" dirty="0"/>
+              <a:t>1.</a:t>
+            </a:r>
+            <a:r>
+              <a:rPr lang="zh-TW" altLang="en-US" sz="2000" dirty="0"/>
+              <a:t> </a:t>
+            </a:r>
+            <a:r>
+              <a:rPr lang="en-US" altLang="zh-TW" sz="2000" dirty="0"/>
+              <a:t>SQL injection</a:t>
+            </a:r>
+            <a:r>
+              <a:rPr lang="zh-TW" altLang="en-US" sz="2000" dirty="0"/>
+              <a:t>的例子預存程序部分如何運作？</a:t>
+            </a:r>
+            <a:endParaRPr lang="en-US" altLang="zh-TW" sz="2000" dirty="0"/>
+          </a:p>
+          <a:p>
+            <a:pPr lvl="1"/>
+            <a:r>
+              <a:rPr lang="zh-TW" altLang="en-US" sz="1800" dirty="0"/>
+              <a:t>預存程序是在</a:t>
+            </a:r>
+            <a:r>
+              <a:rPr lang="en-US" altLang="zh-TW" sz="1800" dirty="0" err="1"/>
+              <a:t>DataBase</a:t>
+            </a:r>
+            <a:r>
+              <a:rPr lang="zh-TW" altLang="en-US" sz="1800" dirty="0"/>
+              <a:t>儲存複雜程式，以便外部程式呼叫的資料庫物件，可以視為資料庫的一種函式或子程式。</a:t>
+            </a:r>
+            <a:r>
+              <a:rPr lang="en-US" altLang="zh-TW" sz="1800" dirty="0"/>
+              <a:t>(</a:t>
+            </a:r>
+            <a:r>
+              <a:rPr lang="zh-TW" altLang="en-US" sz="1800" dirty="0"/>
+              <a:t>維基百科</a:t>
+            </a:r>
+            <a:r>
+              <a:rPr lang="en-US" altLang="zh-TW" sz="1800" dirty="0"/>
+              <a:t>)</a:t>
+            </a:r>
+          </a:p>
+          <a:p>
+            <a:pPr lvl="1"/>
+            <a:r>
+              <a:rPr lang="zh-TW" altLang="en-US" sz="1800" dirty="0"/>
+              <a:t>所以這只是換一個形式去把子程式貼在輸入的後面，從而攻擊。</a:t>
+            </a:r>
+            <a:endParaRPr lang="en-US" altLang="zh-TW" sz="1800" dirty="0"/>
+          </a:p>
+          <a:p>
+            <a:pPr lvl="1"/>
+            <a:endParaRPr lang="en-US" altLang="zh-TW" sz="1800" dirty="0"/>
+          </a:p>
+          <a:p>
+            <a:r>
+              <a:rPr lang="en-US" altLang="zh-MO" sz="2000" dirty="0"/>
+              <a:t>2. </a:t>
+            </a:r>
+            <a:r>
+              <a:rPr lang="zh-TW" altLang="en-US" sz="2000" dirty="0"/>
+              <a:t>對於</a:t>
+            </a:r>
+            <a:r>
+              <a:rPr lang="zh-MO" altLang="en-US" sz="2000" dirty="0"/>
+              <a:t>如何防範</a:t>
+            </a:r>
+            <a:r>
+              <a:rPr lang="zh-TW" altLang="en-US" sz="2000" dirty="0"/>
+              <a:t>部分，把資料先加密實際上是怎麼做</a:t>
+            </a:r>
+            <a:endParaRPr lang="en-US" altLang="zh-TW" sz="2000" dirty="0"/>
+          </a:p>
+          <a:p>
+            <a:pPr lvl="1"/>
+            <a:r>
+              <a:rPr lang="zh-TW" altLang="en-US" sz="1800" dirty="0"/>
+              <a:t>這部分可能描述</a:t>
+            </a:r>
+            <a:r>
+              <a:rPr lang="zh-TW" altLang="en-US" sz="1800" dirty="0">
+                <a:latin typeface="+mj-ea"/>
+                <a:ea typeface="+mj-ea"/>
+              </a:rPr>
+              <a:t>得不夠好，這並不是把資料進行加密，而是把敏感資料</a:t>
+            </a:r>
+            <a:r>
+              <a:rPr lang="en-US" altLang="zh-TW" sz="1800" dirty="0">
+                <a:latin typeface="+mj-ea"/>
+                <a:ea typeface="+mj-ea"/>
+              </a:rPr>
+              <a:t>(</a:t>
+            </a:r>
+            <a:r>
+              <a:rPr lang="zh-TW" altLang="en-US" sz="1800" dirty="0">
+                <a:latin typeface="+mj-ea"/>
+                <a:ea typeface="+mj-ea"/>
+              </a:rPr>
+              <a:t>例如：使用者密碼</a:t>
+            </a:r>
+            <a:r>
+              <a:rPr lang="en-US" altLang="zh-TW" sz="1800" dirty="0">
+                <a:latin typeface="+mj-ea"/>
+                <a:ea typeface="+mj-ea"/>
+              </a:rPr>
+              <a:t>)</a:t>
+            </a:r>
+            <a:r>
+              <a:rPr lang="zh-TW" altLang="en-US" sz="1800" dirty="0">
+                <a:latin typeface="+mj-ea"/>
+                <a:ea typeface="+mj-ea"/>
+              </a:rPr>
+              <a:t>先經過</a:t>
+            </a:r>
+            <a:r>
+              <a:rPr lang="en-US" altLang="zh-TW" sz="1800" dirty="0">
+                <a:latin typeface="+mj-ea"/>
+                <a:ea typeface="+mj-ea"/>
+              </a:rPr>
+              <a:t>Hash Function</a:t>
+            </a:r>
+            <a:r>
+              <a:rPr lang="zh-TW" altLang="en-US" sz="1800" dirty="0">
+                <a:latin typeface="+mj-ea"/>
+                <a:ea typeface="+mj-ea"/>
+              </a:rPr>
+              <a:t>建立一個指紋，</a:t>
+            </a:r>
+            <a:r>
+              <a:rPr lang="zh-CN" altLang="en-US" sz="1800" dirty="0">
+                <a:latin typeface="+mj-ea"/>
+                <a:ea typeface="+mj-ea"/>
+              </a:rPr>
+              <a:t>再</a:t>
+            </a:r>
+            <a:r>
+              <a:rPr lang="zh-TW" altLang="en-US" sz="1800" dirty="0">
+                <a:latin typeface="+mj-ea"/>
+                <a:ea typeface="+mj-ea"/>
+              </a:rPr>
+              <a:t>把指紋存進</a:t>
+            </a:r>
+            <a:r>
+              <a:rPr lang="en-US" altLang="zh-TW" sz="1800" dirty="0" err="1">
+                <a:latin typeface="+mj-ea"/>
+                <a:ea typeface="+mj-ea"/>
+              </a:rPr>
+              <a:t>DataBase</a:t>
+            </a:r>
+            <a:r>
+              <a:rPr lang="zh-TW" altLang="en-US" sz="1800" dirty="0">
+                <a:latin typeface="+mj-ea"/>
+                <a:ea typeface="+mj-ea"/>
+              </a:rPr>
+              <a:t>裹。參考資料裏提到的是使用</a:t>
+            </a:r>
+            <a:r>
+              <a:rPr lang="en-US" altLang="zh-TW" sz="1800" dirty="0">
+                <a:latin typeface="+mj-ea"/>
+                <a:ea typeface="+mj-ea"/>
+              </a:rPr>
+              <a:t>md5</a:t>
+            </a:r>
+            <a:r>
+              <a:rPr lang="zh-TW" altLang="en-US" sz="1800" dirty="0">
+                <a:latin typeface="+mj-ea"/>
+                <a:ea typeface="+mj-ea"/>
+              </a:rPr>
+              <a:t>或</a:t>
+            </a:r>
+            <a:r>
+              <a:rPr lang="en-US" altLang="zh-TW" sz="1800" dirty="0">
+                <a:latin typeface="+mj-ea"/>
+                <a:ea typeface="+mj-ea"/>
+              </a:rPr>
+              <a:t>Double md5</a:t>
+            </a:r>
+            <a:r>
+              <a:rPr lang="zh-TW" altLang="en-US" sz="1800" dirty="0">
+                <a:latin typeface="+mj-ea"/>
+                <a:ea typeface="+mj-ea"/>
+              </a:rPr>
+              <a:t>，但</a:t>
+            </a:r>
+            <a:r>
+              <a:rPr lang="en-US" altLang="zh-TW" sz="1800" dirty="0">
+                <a:latin typeface="+mj-ea"/>
+                <a:ea typeface="+mj-ea"/>
+              </a:rPr>
+              <a:t>md5</a:t>
+            </a:r>
+            <a:r>
+              <a:rPr lang="zh-TW" altLang="en-US" sz="1800" dirty="0">
+                <a:latin typeface="+mj-ea"/>
+                <a:ea typeface="+mj-ea"/>
+              </a:rPr>
+              <a:t>已有破解方法，所以改用</a:t>
+            </a:r>
+            <a:r>
+              <a:rPr lang="en-US" altLang="zh-TW" sz="1800" dirty="0" err="1">
+                <a:latin typeface="+mj-ea"/>
+                <a:ea typeface="+mj-ea"/>
+              </a:rPr>
+              <a:t>mcrypt</a:t>
+            </a:r>
+            <a:r>
+              <a:rPr lang="zh-TW" altLang="en-US" sz="1800" dirty="0">
+                <a:latin typeface="+mj-ea"/>
+                <a:ea typeface="+mj-ea"/>
+              </a:rPr>
+              <a:t>會更好。</a:t>
+            </a:r>
+            <a:endParaRPr lang="en-US" altLang="zh-TW" sz="1800" dirty="0">
+              <a:latin typeface="+mj-ea"/>
+              <a:ea typeface="+mj-ea"/>
+            </a:endParaRPr>
+          </a:p>
+          <a:p>
+            <a:pPr lvl="1"/>
+            <a:r>
+              <a:rPr lang="zh-TW" altLang="en-US" sz="1800" dirty="0">
+                <a:latin typeface="+mj-ea"/>
+                <a:ea typeface="+mj-ea"/>
+              </a:rPr>
+              <a:t>而我在想，這方法隨了讓資料多一層保護外，這應該也同時避免了</a:t>
+            </a:r>
+            <a:r>
+              <a:rPr lang="en-US" altLang="zh-TW" sz="1800" dirty="0">
+                <a:latin typeface="+mj-ea"/>
+                <a:ea typeface="+mj-ea"/>
+              </a:rPr>
+              <a:t>SQL injection</a:t>
+            </a:r>
+            <a:r>
+              <a:rPr lang="zh-TW" altLang="en-US" sz="1800" dirty="0">
+                <a:latin typeface="+mj-ea"/>
+                <a:ea typeface="+mj-ea"/>
+              </a:rPr>
+              <a:t>的問題，因為</a:t>
+            </a:r>
+            <a:r>
+              <a:rPr lang="en-US" altLang="zh-TW" sz="1800" dirty="0">
+                <a:latin typeface="+mj-ea"/>
+                <a:ea typeface="+mj-ea"/>
+              </a:rPr>
+              <a:t>Hash Function</a:t>
+            </a:r>
+            <a:r>
+              <a:rPr lang="zh-TW" altLang="en-US" sz="1800" dirty="0">
+                <a:latin typeface="+mj-ea"/>
+                <a:ea typeface="+mj-ea"/>
+              </a:rPr>
+              <a:t>就已經把輸入的字串置換成其他字串。</a:t>
+            </a:r>
+            <a:endParaRPr lang="zh-MO" altLang="en-US" sz="1800" dirty="0">
+              <a:latin typeface="+mj-ea"/>
+              <a:ea typeface="+mj-ea"/>
+            </a:endParaRPr>
+          </a:p>
+        </p:txBody>
+      </p:sp>
+    </p:spTree>
+    <p:extLst>
+      <p:ext uri="{BB962C8B-B14F-4D97-AF65-F5344CB8AC3E}">
+        <p14:creationId xmlns:p14="http://schemas.microsoft.com/office/powerpoint/2010/main" val="2873449877"/>
       </p:ext>
     </p:extLst>
   </p:cSld>
